--- a/Project PresentationDemonstration.pptx
+++ b/Project PresentationDemonstration.pptx
@@ -13,7 +13,8 @@
     <p:sldId id="305" r:id="rId7"/>
     <p:sldId id="311" r:id="rId8"/>
     <p:sldId id="312" r:id="rId9"/>
-    <p:sldId id="364" r:id="rId10"/>
+    <p:sldId id="365" r:id="rId10"/>
+    <p:sldId id="364" r:id="rId11"/>
   </p:sldIdLst>
   <p:sldSz cx="12192000" cy="6858000"/>
   <p:notesSz cx="6858000" cy="9144000"/>
@@ -6334,7 +6335,7 @@
                 <a:tabLst/>
                 <a:defRPr/>
               </a:pPr>
-              <a:t>5/17/2021</a:t>
+              <a:t>5/19/2021</a:t>
             </a:fld>
             <a:endParaRPr kumimoji="0" lang="en-US" sz="1800" b="0" i="0" u="none" strike="noStrike" kern="1200" cap="none" spc="0" normalizeH="0" baseline="0" noProof="0" dirty="0">
               <a:ln>
@@ -9448,6 +9449,66 @@
 </p:sld>
 </file>
 
+<file path=ppt/slides/slide10.xml><?xml version="1.0" encoding="utf-8"?>
+<p:sld xmlns:a="http://schemas.openxmlformats.org/drawingml/2006/main" xmlns:r="http://schemas.openxmlformats.org/officeDocument/2006/relationships" xmlns:p="http://schemas.openxmlformats.org/presentationml/2006/main">
+  <p:cSld>
+    <p:spTree>
+      <p:nvGrpSpPr>
+        <p:cNvPr id="1" name=""/>
+        <p:cNvGrpSpPr/>
+        <p:nvPr/>
+      </p:nvGrpSpPr>
+      <p:grpSpPr>
+        <a:xfrm>
+          <a:off x="0" y="0"/>
+          <a:ext cx="0" cy="0"/>
+          <a:chOff x="0" y="0"/>
+          <a:chExt cx="0" cy="0"/>
+        </a:xfrm>
+      </p:grpSpPr>
+      <p:sp>
+        <p:nvSpPr>
+          <p:cNvPr id="4" name="Title 3">
+            <a:extLst>
+              <a:ext uri="{FF2B5EF4-FFF2-40B4-BE49-F238E27FC236}">
+                <a16:creationId xmlns:a16="http://schemas.microsoft.com/office/drawing/2014/main" id="{1E181A25-E77D-4D6A-8C6F-4B897A3EF957}"/>
+              </a:ext>
+            </a:extLst>
+          </p:cNvPr>
+          <p:cNvSpPr>
+            <a:spLocks noGrp="1"/>
+          </p:cNvSpPr>
+          <p:nvPr>
+            <p:ph type="ctrTitle"/>
+          </p:nvPr>
+        </p:nvSpPr>
+        <p:spPr/>
+        <p:txBody>
+          <a:bodyPr>
+            <a:normAutofit fontScale="90000"/>
+          </a:bodyPr>
+          <a:lstStyle/>
+          <a:p>
+            <a:r>
+              <a:rPr lang="en-AU" dirty="0"/>
+              <a:t>Thank you for listening!</a:t>
+            </a:r>
+          </a:p>
+        </p:txBody>
+      </p:sp>
+    </p:spTree>
+    <p:extLst>
+      <p:ext uri="{BB962C8B-B14F-4D97-AF65-F5344CB8AC3E}">
+        <p14:creationId xmlns:p14="http://schemas.microsoft.com/office/powerpoint/2010/main" val="3226440366"/>
+      </p:ext>
+    </p:extLst>
+  </p:cSld>
+  <p:clrMapOvr>
+    <a:masterClrMapping/>
+  </p:clrMapOvr>
+</p:sld>
+</file>
+
 <file path=ppt/slides/slide2.xml><?xml version="1.0" encoding="utf-8"?>
 <p:sld xmlns:a="http://schemas.openxmlformats.org/drawingml/2006/main" xmlns:r="http://schemas.openxmlformats.org/officeDocument/2006/relationships" xmlns:p="http://schemas.openxmlformats.org/presentationml/2006/main">
   <p:cSld>
@@ -9539,7 +9600,7 @@
                 <a:latin typeface="Times New Roman" panose="02020603050405020304" pitchFamily="18" charset="0"/>
                 <a:cs typeface="Times New Roman" panose="02020603050405020304" pitchFamily="18" charset="0"/>
               </a:rPr>
-              <a:t>By functioning collectively, we are to plan and program an electronic framework for the Victorian state constituent commission. This new framework will actually want to take in new citizens' data like their name, address, age, suburb and elector ID and permit them to project their decisions in favor of the running up-and-comers in Victoria. Clients will actually want to effectively refresh information whenever all through the democratic day from anyplace across Victoria or abroad. </a:t>
+              <a:t>By functioning collectively, we are to plan and program an electronic framework for the Victorian state constituent commission. This new framework will take in new citizens' data such as their name, address, age, suburb and elector ID . This enables them to vote for the running candidates in Victoria. Clients can constantly refresh information across Victoria or abroad regardless of provider etc. </a:t>
             </a:r>
           </a:p>
           <a:p>
@@ -9560,7 +9621,7 @@
                 <a:latin typeface="Times New Roman" panose="02020603050405020304" pitchFamily="18" charset="0"/>
                 <a:cs typeface="Times New Roman" panose="02020603050405020304" pitchFamily="18" charset="0"/>
               </a:rPr>
-              <a:t>The new framework will be made utilizing C++ and will run without mistakes inside the framework or when being utilized by the citizens.</a:t>
+              <a:t>The new framework will be made utilizing C++ and will run effectively and efficiently functioning within the scope. The client-based interface will be intuitive and easy to use to as many users will be of advanced age.</a:t>
             </a:r>
           </a:p>
         </p:txBody>
@@ -10237,13 +10298,13 @@
         </p:nvSpPr>
         <p:spPr>
           <a:xfrm>
-            <a:off x="344212" y="736906"/>
-            <a:ext cx="11503576" cy="4536689"/>
+            <a:off x="176786" y="1013743"/>
+            <a:ext cx="4722385" cy="5621949"/>
           </a:xfrm>
         </p:spPr>
         <p:txBody>
           <a:bodyPr>
-            <a:normAutofit/>
+            <a:normAutofit fontScale="62500" lnSpcReduction="20000"/>
           </a:bodyPr>
           <a:lstStyle/>
           <a:p>
@@ -10263,29 +10324,175 @@
               <a:buNone/>
             </a:pPr>
             <a:r>
-              <a:rPr lang="en-US" sz="2800" dirty="0">
+              <a:rPr lang="en-US" sz="1800" dirty="0">
                 <a:latin typeface="Times New Roman" panose="02020603050405020304" pitchFamily="18" charset="0"/>
                 <a:cs typeface="Times New Roman" panose="02020603050405020304" pitchFamily="18" charset="0"/>
               </a:rPr>
-              <a:t>When designing the program we created a menu that responded to users selecting different options for accessing different parts of the program, for example when a user presses P it will print numbers for a particular candidate. To get this code to work we needed to write code that understands the database and when to retrieve each piece of data. The program also has to include code that produces an error message when something goes wrong or the user has entered values that don’t align with </a:t>
-            </a:r>
-            <a:r>
-              <a:rPr lang="en-US" sz="2800" dirty="0" err="1">
+              <a:t>We went through several phases when designing our program. Originally, we designed our database to work using a combination of C++ and SQLite, however this proved a bit too complicated to integrate with the menu section of our code.</a:t>
+            </a:r>
+          </a:p>
+          <a:p>
+            <a:pPr marL="457200" lvl="1" indent="0">
+              <a:buNone/>
+            </a:pPr>
+            <a:endParaRPr lang="en-US" sz="1800" dirty="0">
+              <a:latin typeface="Times New Roman" panose="02020603050405020304" pitchFamily="18" charset="0"/>
+              <a:cs typeface="Times New Roman" panose="02020603050405020304" pitchFamily="18" charset="0"/>
+            </a:endParaRPr>
+          </a:p>
+          <a:p>
+            <a:pPr marL="457200" lvl="1" indent="0">
+              <a:buNone/>
+            </a:pPr>
+            <a:r>
+              <a:rPr lang="en-US" sz="1800" dirty="0">
                 <a:latin typeface="Times New Roman" panose="02020603050405020304" pitchFamily="18" charset="0"/>
                 <a:cs typeface="Times New Roman" panose="02020603050405020304" pitchFamily="18" charset="0"/>
               </a:rPr>
-              <a:t>whats</a:t>
-            </a:r>
-            <a:r>
-              <a:rPr lang="en-US" sz="2800" dirty="0">
+              <a:t>From there we determined that a simpler solution would be to create and program files to act as databases. This made things simpler at the cost of the program being less dynamic in its function. </a:t>
+            </a:r>
+          </a:p>
+          <a:p>
+            <a:pPr marL="457200" lvl="1" indent="0">
+              <a:buNone/>
+            </a:pPr>
+            <a:endParaRPr lang="en-US" sz="1800" dirty="0">
+              <a:latin typeface="Times New Roman" panose="02020603050405020304" pitchFamily="18" charset="0"/>
+              <a:cs typeface="Times New Roman" panose="02020603050405020304" pitchFamily="18" charset="0"/>
+            </a:endParaRPr>
+          </a:p>
+          <a:p>
+            <a:pPr marL="457200" lvl="1" indent="0">
+              <a:buNone/>
+            </a:pPr>
+            <a:r>
+              <a:rPr lang="en-US" sz="1800" dirty="0">
                 <a:latin typeface="Times New Roman" panose="02020603050405020304" pitchFamily="18" charset="0"/>
                 <a:cs typeface="Times New Roman" panose="02020603050405020304" pitchFamily="18" charset="0"/>
               </a:rPr>
-              <a:t> being asked so we had to write code that checks the submitted values. </a:t>
-            </a:r>
-          </a:p>
-        </p:txBody>
-      </p:sp>
+              <a:t>Our initial design for the menu was to make it as useable and intuitive as possible. We wanted something that met the brief but was also simple to use. This was done with older clients in mind as we knew the age demographic would be a wide spread of young and old. Therefore, we wanted our menu to be simple and easy to navigate </a:t>
+            </a:r>
+          </a:p>
+          <a:p>
+            <a:pPr marL="457200" lvl="1" indent="0">
+              <a:buNone/>
+            </a:pPr>
+            <a:endParaRPr lang="en-US" sz="1800" dirty="0">
+              <a:latin typeface="Times New Roman" panose="02020603050405020304" pitchFamily="18" charset="0"/>
+              <a:cs typeface="Times New Roman" panose="02020603050405020304" pitchFamily="18" charset="0"/>
+            </a:endParaRPr>
+          </a:p>
+          <a:p>
+            <a:pPr marL="457200" lvl="1" indent="0">
+              <a:buNone/>
+            </a:pPr>
+            <a:r>
+              <a:rPr lang="en-US" sz="1800" dirty="0">
+                <a:latin typeface="Times New Roman" panose="02020603050405020304" pitchFamily="18" charset="0"/>
+                <a:cs typeface="Times New Roman" panose="02020603050405020304" pitchFamily="18" charset="0"/>
+              </a:rPr>
+              <a:t>All our design work was placed into a website repository called GitHub. We then edited the stored code using source tree. These two programs were key to our designing. They allowed us to dynamically work on different designs at the same time so that everyone on the team could see what we were working on and how the different designs were going and how they were functioning. </a:t>
+            </a:r>
+          </a:p>
+          <a:p>
+            <a:pPr marL="457200" lvl="1" indent="0">
+              <a:buNone/>
+            </a:pPr>
+            <a:endParaRPr lang="en-US" sz="1800" dirty="0">
+              <a:latin typeface="Times New Roman" panose="02020603050405020304" pitchFamily="18" charset="0"/>
+              <a:cs typeface="Times New Roman" panose="02020603050405020304" pitchFamily="18" charset="0"/>
+            </a:endParaRPr>
+          </a:p>
+          <a:p>
+            <a:pPr marL="457200" lvl="1" indent="0">
+              <a:buNone/>
+            </a:pPr>
+            <a:r>
+              <a:rPr lang="en-US" sz="1800" dirty="0">
+                <a:latin typeface="Times New Roman" panose="02020603050405020304" pitchFamily="18" charset="0"/>
+                <a:cs typeface="Times New Roman" panose="02020603050405020304" pitchFamily="18" charset="0"/>
+              </a:rPr>
+              <a:t>As can be seen by the photo, this is our code for the menu stored in GitHub. We are able to constantly change the code so that everyone can see the alterations. </a:t>
+            </a:r>
+            <a:r>
+              <a:rPr lang="en-US" sz="1800" dirty="0" err="1">
+                <a:latin typeface="Times New Roman" panose="02020603050405020304" pitchFamily="18" charset="0"/>
+                <a:cs typeface="Times New Roman" panose="02020603050405020304" pitchFamily="18" charset="0"/>
+              </a:rPr>
+              <a:t>Eg</a:t>
+            </a:r>
+            <a:r>
+              <a:rPr lang="en-US" sz="1800" dirty="0">
+                <a:latin typeface="Times New Roman" panose="02020603050405020304" pitchFamily="18" charset="0"/>
+                <a:cs typeface="Times New Roman" panose="02020603050405020304" pitchFamily="18" charset="0"/>
+              </a:rPr>
+              <a:t> on line 134 you can see the line is highlighted green to indicate the line has been added and on line 113 the line is highlighted red to indicate it has been removed. This allows us to see the program dynamically change and evolve which from a design perspective is exceptionally useful. We are also able to write comments on what needs to be done in the project </a:t>
+            </a:r>
+            <a:r>
+              <a:rPr lang="en-US" sz="1800" dirty="0" err="1">
+                <a:latin typeface="Times New Roman" panose="02020603050405020304" pitchFamily="18" charset="0"/>
+                <a:cs typeface="Times New Roman" panose="02020603050405020304" pitchFamily="18" charset="0"/>
+              </a:rPr>
+              <a:t>eg</a:t>
+            </a:r>
+            <a:r>
+              <a:rPr lang="en-US" sz="1800" dirty="0">
+                <a:latin typeface="Times New Roman" panose="02020603050405020304" pitchFamily="18" charset="0"/>
+                <a:cs typeface="Times New Roman" panose="02020603050405020304" pitchFamily="18" charset="0"/>
+              </a:rPr>
+              <a:t> line 142 indicates that code needs to be written to perform a search for largest vote count. </a:t>
+            </a:r>
+          </a:p>
+          <a:p>
+            <a:pPr marL="457200" lvl="1" indent="0">
+              <a:buNone/>
+            </a:pPr>
+            <a:endParaRPr lang="en-US" dirty="0">
+              <a:latin typeface="Times New Roman" panose="02020603050405020304" pitchFamily="18" charset="0"/>
+              <a:cs typeface="Times New Roman" panose="02020603050405020304" pitchFamily="18" charset="0"/>
+            </a:endParaRPr>
+          </a:p>
+          <a:p>
+            <a:pPr marL="457200" lvl="1" indent="0">
+              <a:buNone/>
+            </a:pPr>
+            <a:endParaRPr lang="en-US" dirty="0">
+              <a:latin typeface="Times New Roman" panose="02020603050405020304" pitchFamily="18" charset="0"/>
+              <a:cs typeface="Times New Roman" panose="02020603050405020304" pitchFamily="18" charset="0"/>
+            </a:endParaRPr>
+          </a:p>
+        </p:txBody>
+      </p:sp>
+      <p:pic>
+        <p:nvPicPr>
+          <p:cNvPr id="5" name="Picture 4">
+            <a:extLst>
+              <a:ext uri="{FF2B5EF4-FFF2-40B4-BE49-F238E27FC236}">
+                <a16:creationId xmlns:a16="http://schemas.microsoft.com/office/drawing/2014/main" id="{07B27638-004D-4A96-B71B-800FDB0467A6}"/>
+              </a:ext>
+            </a:extLst>
+          </p:cNvPr>
+          <p:cNvPicPr>
+            <a:picLocks noChangeAspect="1"/>
+          </p:cNvPicPr>
+          <p:nvPr/>
+        </p:nvPicPr>
+        <p:blipFill>
+          <a:blip r:embed="rId2"/>
+          <a:stretch>
+            <a:fillRect/>
+          </a:stretch>
+        </p:blipFill>
+        <p:spPr>
+          <a:xfrm>
+            <a:off x="4899172" y="1013742"/>
+            <a:ext cx="6845416" cy="5538059"/>
+          </a:xfrm>
+          <a:prstGeom prst="rect">
+            <a:avLst/>
+          </a:prstGeom>
+        </p:spPr>
+      </p:pic>
     </p:spTree>
     <p:extLst>
       <p:ext uri="{BB962C8B-B14F-4D97-AF65-F5344CB8AC3E}">
@@ -10378,7 +10585,7 @@
         </p:spPr>
         <p:txBody>
           <a:bodyPr>
-            <a:normAutofit/>
+            <a:normAutofit fontScale="92500" lnSpcReduction="20000"/>
           </a:bodyPr>
           <a:lstStyle/>
           <a:p>
@@ -10390,22 +10597,19 @@
                 <a:latin typeface="Times New Roman" panose="02020603050405020304" pitchFamily="18" charset="0"/>
                 <a:cs typeface="Times New Roman" panose="02020603050405020304" pitchFamily="18" charset="0"/>
               </a:rPr>
-              <a:t>The code we created runs well with the original design of the program we intended to create at the beginning of the project. The program runs efficiently that incorporates a “stream like outlook” offering users to easily enter their information and vote without any </a:t>
-            </a:r>
-            <a:r>
-              <a:rPr lang="en-US" sz="2800" dirty="0" err="1">
+              <a:t>The solution we have created in our opinion completely meets the design requirements. The entire program has been done in C++ as was required and it includes the required two databases and the required menu. In addition to this the code for the solution has several comments to indicate what the functionality of the code is and what some more complicated parts of the code might do. Our code has been placed in a main function and there has been several iterations of testing that this program has gone through. This was seen in the previous slide as you saw the code was being tested and dynamically changed. Our variables and constant identifies are all clear and descriptive so that any other programmer could come along and look at our solution and know what everything does. This is further aided by the inclusion of code-level comments and block comments. We believe that our solution meets all the required design components including what has been mentioned above in addition to the list of validation requirements for our menu to be </a:t>
+            </a:r>
+            <a:r>
+              <a:rPr lang="en-US" sz="2800">
                 <a:latin typeface="Times New Roman" panose="02020603050405020304" pitchFamily="18" charset="0"/>
                 <a:cs typeface="Times New Roman" panose="02020603050405020304" pitchFamily="18" charset="0"/>
               </a:rPr>
-              <a:t>hickups</a:t>
-            </a:r>
-            <a:r>
-              <a:rPr lang="en-US" sz="2800" dirty="0">
-                <a:latin typeface="Times New Roman" panose="02020603050405020304" pitchFamily="18" charset="0"/>
-                <a:cs typeface="Times New Roman" panose="02020603050405020304" pitchFamily="18" charset="0"/>
-              </a:rPr>
-              <a:t> or crashes. The program makes use of a numbered like system that users can easily select from to make their decisions easier.</a:t>
-            </a:r>
+              <a:t>properly operable. </a:t>
+            </a:r>
+            <a:endParaRPr lang="en-US" sz="2800" dirty="0">
+              <a:latin typeface="Times New Roman" panose="02020603050405020304" pitchFamily="18" charset="0"/>
+              <a:cs typeface="Times New Roman" panose="02020603050405020304" pitchFamily="18" charset="0"/>
+            </a:endParaRPr>
           </a:p>
         </p:txBody>
       </p:sp>
@@ -10536,8 +10740,8 @@
         </p:nvSpPr>
         <p:spPr>
           <a:xfrm>
-            <a:off x="904875" y="855016"/>
-            <a:ext cx="10582275" cy="5909310"/>
+            <a:off x="235509" y="1077900"/>
+            <a:ext cx="5436066" cy="5447645"/>
           </a:xfrm>
           <a:prstGeom prst="rect">
             <a:avLst/>
@@ -10551,358 +10755,409 @@
           <a:lstStyle/>
           <a:p>
             <a:r>
-              <a:rPr lang="en-AU" sz="1400" dirty="0"/>
+              <a:rPr lang="en-AU" sz="1200" dirty="0"/>
               <a:t>#include &lt;iostream&gt;</a:t>
             </a:r>
           </a:p>
           <a:p>
             <a:r>
-              <a:rPr lang="en-AU" sz="1400" dirty="0"/>
+              <a:rPr lang="en-AU" sz="1200" dirty="0"/>
               <a:t>#include &lt;</a:t>
             </a:r>
             <a:r>
-              <a:rPr lang="en-AU" sz="1400" dirty="0" err="1"/>
+              <a:rPr lang="en-AU" sz="1200" dirty="0" err="1"/>
               <a:t>cmath</a:t>
             </a:r>
             <a:r>
-              <a:rPr lang="en-AU" sz="1400" dirty="0"/>
+              <a:rPr lang="en-AU" sz="1200" dirty="0"/>
               <a:t>&gt;</a:t>
             </a:r>
           </a:p>
           <a:p>
             <a:r>
-              <a:rPr lang="en-AU" sz="1400" dirty="0"/>
+              <a:rPr lang="en-AU" sz="1200" dirty="0"/>
               <a:t>#include &lt;vector&gt;</a:t>
             </a:r>
           </a:p>
           <a:p>
             <a:r>
-              <a:rPr lang="en-AU" sz="1400" dirty="0"/>
+              <a:rPr lang="en-AU" sz="1200" dirty="0"/>
               <a:t>#include &lt;</a:t>
             </a:r>
             <a:r>
-              <a:rPr lang="en-AU" sz="1400" dirty="0" err="1"/>
+              <a:rPr lang="en-AU" sz="1200" dirty="0" err="1"/>
               <a:t>fstream</a:t>
             </a:r>
             <a:r>
-              <a:rPr lang="en-AU" sz="1400" dirty="0"/>
+              <a:rPr lang="en-AU" sz="1200" dirty="0"/>
               <a:t>&gt;</a:t>
             </a:r>
           </a:p>
           <a:p>
             <a:r>
-              <a:rPr lang="en-AU" sz="1400" dirty="0"/>
+              <a:rPr lang="en-AU" sz="1200" dirty="0"/>
               <a:t>#include &lt;string&gt;</a:t>
             </a:r>
           </a:p>
           <a:p>
             <a:r>
-              <a:rPr lang="en-AU" sz="1400" dirty="0"/>
+              <a:rPr lang="en-AU" sz="1200" dirty="0"/>
               <a:t>using namespace std;</a:t>
             </a:r>
           </a:p>
           <a:p>
+            <a:endParaRPr lang="en-AU" sz="1200" dirty="0"/>
+          </a:p>
+          <a:p>
+            <a:r>
+              <a:rPr lang="en-AU" sz="1200" dirty="0"/>
+              <a:t>int </a:t>
+            </a:r>
+            <a:r>
+              <a:rPr lang="en-AU" sz="1200" dirty="0" err="1"/>
+              <a:t>voterdata_file</a:t>
+            </a:r>
+            <a:r>
+              <a:rPr lang="en-AU" sz="1200" dirty="0"/>
+              <a:t>()</a:t>
+            </a:r>
+          </a:p>
+          <a:p>
+            <a:r>
+              <a:rPr lang="en-AU" sz="1200" dirty="0"/>
+              <a:t>{</a:t>
+            </a:r>
+          </a:p>
+          <a:p>
+            <a:r>
+              <a:rPr lang="en-AU" sz="1200" dirty="0"/>
+              <a:t>	</a:t>
+            </a:r>
+            <a:r>
+              <a:rPr lang="en-AU" sz="1200" dirty="0" err="1"/>
+              <a:t>ofstream</a:t>
+            </a:r>
+            <a:r>
+              <a:rPr lang="en-AU" sz="1200" dirty="0"/>
+              <a:t> </a:t>
+            </a:r>
+            <a:r>
+              <a:rPr lang="en-AU" sz="1200" dirty="0" err="1"/>
+              <a:t>voterdata</a:t>
+            </a:r>
+            <a:r>
+              <a:rPr lang="en-AU" sz="1200" dirty="0"/>
+              <a:t>;</a:t>
+            </a:r>
+          </a:p>
+          <a:p>
+            <a:r>
+              <a:rPr lang="en-AU" sz="1200" dirty="0"/>
+              <a:t>	</a:t>
+            </a:r>
+            <a:r>
+              <a:rPr lang="en-AU" sz="1200" dirty="0" err="1"/>
+              <a:t>voterdata.open</a:t>
+            </a:r>
+            <a:r>
+              <a:rPr lang="en-AU" sz="1200" dirty="0"/>
+              <a:t>("Voter Data Base.txt");</a:t>
+            </a:r>
+          </a:p>
+          <a:p>
+            <a:r>
+              <a:rPr lang="en-AU" sz="1200" dirty="0"/>
+              <a:t>	if (!</a:t>
+            </a:r>
+            <a:r>
+              <a:rPr lang="en-AU" sz="1200" dirty="0" err="1"/>
+              <a:t>voterdata</a:t>
+            </a:r>
+            <a:r>
+              <a:rPr lang="en-AU" sz="1200" dirty="0"/>
+              <a:t>)</a:t>
+            </a:r>
+          </a:p>
+          <a:p>
+            <a:r>
+              <a:rPr lang="en-AU" sz="1200" dirty="0"/>
+              <a:t>	{</a:t>
+            </a:r>
+          </a:p>
+          <a:p>
+            <a:r>
+              <a:rPr lang="en-AU" sz="1200" dirty="0"/>
+              <a:t>		</a:t>
+            </a:r>
+            <a:r>
+              <a:rPr lang="en-AU" sz="1200" dirty="0" err="1"/>
+              <a:t>cout</a:t>
+            </a:r>
+            <a:r>
+              <a:rPr lang="en-AU" sz="1200" dirty="0"/>
+              <a:t> &lt;&lt; "File not created";</a:t>
+            </a:r>
+          </a:p>
+          <a:p>
+            <a:r>
+              <a:rPr lang="en-AU" sz="1200" dirty="0"/>
+              <a:t>	}</a:t>
+            </a:r>
+          </a:p>
+          <a:p>
+            <a:r>
+              <a:rPr lang="en-AU" sz="1200" dirty="0"/>
+              <a:t>	else</a:t>
+            </a:r>
+          </a:p>
+          <a:p>
+            <a:r>
+              <a:rPr lang="en-AU" sz="1200" dirty="0"/>
+              <a:t>	{</a:t>
+            </a:r>
+          </a:p>
+          <a:p>
+            <a:r>
+              <a:rPr lang="en-AU" sz="1200" dirty="0"/>
+              <a:t>		</a:t>
+            </a:r>
+            <a:r>
+              <a:rPr lang="en-AU" sz="1200" dirty="0" err="1"/>
+              <a:t>cout</a:t>
+            </a:r>
+            <a:r>
+              <a:rPr lang="en-AU" sz="1200" dirty="0"/>
+              <a:t> &lt;&lt; "File created successfully!";</a:t>
+            </a:r>
+          </a:p>
+          <a:p>
+            <a:r>
+              <a:rPr lang="en-AU" sz="1200" dirty="0"/>
+              <a:t>		</a:t>
+            </a:r>
+            <a:r>
+              <a:rPr lang="en-AU" sz="1200" dirty="0" err="1"/>
+              <a:t>voterdata</a:t>
+            </a:r>
+            <a:r>
+              <a:rPr lang="en-AU" sz="1200" dirty="0"/>
+              <a:t> &lt;&lt; "Voter Data Base\n";</a:t>
+            </a:r>
+          </a:p>
+          <a:p>
+            <a:r>
+              <a:rPr lang="en-AU" sz="1200" dirty="0"/>
+              <a:t>		</a:t>
+            </a:r>
+            <a:r>
+              <a:rPr lang="en-AU" sz="1200" dirty="0" err="1"/>
+              <a:t>voterdata</a:t>
+            </a:r>
+            <a:r>
+              <a:rPr lang="en-AU" sz="1200" dirty="0"/>
+              <a:t> &lt;&lt; </a:t>
+            </a:r>
+            <a:r>
+              <a:rPr lang="en-AU" sz="1200" dirty="0" err="1"/>
+              <a:t>setw</a:t>
+            </a:r>
+            <a:r>
+              <a:rPr lang="en-AU" sz="1200" dirty="0"/>
+              <a:t>(15) &lt;&lt; "Voter ID" &lt;&lt; </a:t>
+            </a:r>
+            <a:r>
+              <a:rPr lang="en-AU" sz="1200" dirty="0" err="1"/>
+              <a:t>setw</a:t>
+            </a:r>
+            <a:r>
+              <a:rPr lang="en-AU" sz="1200" dirty="0"/>
+              <a:t>(15) &lt;&lt; "Name" &lt;&lt; </a:t>
+            </a:r>
+            <a:r>
+              <a:rPr lang="en-AU" sz="1200" dirty="0" err="1"/>
+              <a:t>setw</a:t>
+            </a:r>
+            <a:r>
+              <a:rPr lang="en-AU" sz="1200" dirty="0"/>
+              <a:t>(15) &lt;&lt; "Age" &lt;&lt; </a:t>
+            </a:r>
+            <a:r>
+              <a:rPr lang="en-AU" sz="1200" dirty="0" err="1"/>
+              <a:t>setw</a:t>
+            </a:r>
+            <a:r>
+              <a:rPr lang="en-AU" sz="1200" dirty="0"/>
+              <a:t>(15) &lt;&lt; "Suburb" &lt;&lt; </a:t>
+            </a:r>
+            <a:r>
+              <a:rPr lang="en-AU" sz="1200" dirty="0" err="1"/>
+              <a:t>setw</a:t>
+            </a:r>
+            <a:r>
+              <a:rPr lang="en-AU" sz="1200" dirty="0"/>
+              <a:t>(15) &lt;&lt; "Status" &lt;&lt; </a:t>
+            </a:r>
+            <a:r>
+              <a:rPr lang="en-AU" sz="1200" dirty="0" err="1"/>
+              <a:t>endl</a:t>
+            </a:r>
+            <a:r>
+              <a:rPr lang="en-AU" sz="1200" dirty="0"/>
+              <a:t>;</a:t>
+            </a:r>
+          </a:p>
+          <a:p>
+            <a:r>
+              <a:rPr lang="en-AU" sz="1200" dirty="0"/>
+              <a:t>		</a:t>
+            </a:r>
+            <a:r>
+              <a:rPr lang="en-AU" sz="1200" dirty="0" err="1"/>
+              <a:t>voterdata</a:t>
+            </a:r>
+            <a:r>
+              <a:rPr lang="en-AU" sz="1200" dirty="0"/>
+              <a:t> &lt;&lt; </a:t>
+            </a:r>
+            <a:r>
+              <a:rPr lang="en-AU" sz="1200" dirty="0" err="1"/>
+              <a:t>setw</a:t>
+            </a:r>
+            <a:r>
+              <a:rPr lang="en-AU" sz="1200" dirty="0"/>
+              <a:t>(15) &lt;&lt; 12345678 &lt;&lt; </a:t>
+            </a:r>
+            <a:r>
+              <a:rPr lang="en-AU" sz="1200" dirty="0" err="1"/>
+              <a:t>setw</a:t>
+            </a:r>
+            <a:r>
+              <a:rPr lang="en-AU" sz="1200" dirty="0"/>
+              <a:t>(15) &lt;&lt; "Tommy </a:t>
+            </a:r>
+            <a:r>
+              <a:rPr lang="en-AU" sz="1200" dirty="0" err="1"/>
+              <a:t>Sauche</a:t>
+            </a:r>
+            <a:r>
+              <a:rPr lang="en-AU" sz="1200" dirty="0"/>
+              <a:t>" &lt;&lt; </a:t>
+            </a:r>
+            <a:r>
+              <a:rPr lang="en-AU" sz="1200" dirty="0" err="1"/>
+              <a:t>setw</a:t>
+            </a:r>
+            <a:r>
+              <a:rPr lang="en-AU" sz="1200" dirty="0"/>
+              <a:t>(15) &lt;&lt; "23" &lt;&lt; </a:t>
+            </a:r>
+            <a:r>
+              <a:rPr lang="en-AU" sz="1200" dirty="0" err="1"/>
+              <a:t>setw</a:t>
+            </a:r>
+            <a:r>
+              <a:rPr lang="en-AU" sz="1200" dirty="0"/>
+              <a:t>(15) &lt;&lt; "Carlton" &lt;&lt; </a:t>
+            </a:r>
+            <a:r>
+              <a:rPr lang="en-AU" sz="1200" dirty="0" err="1"/>
+              <a:t>setw</a:t>
+            </a:r>
+            <a:r>
+              <a:rPr lang="en-AU" sz="1200" dirty="0"/>
+              <a:t>(15) &lt;&lt; "Student" &lt;&lt; </a:t>
+            </a:r>
+            <a:r>
+              <a:rPr lang="en-AU" sz="1200" dirty="0" err="1"/>
+              <a:t>endl</a:t>
+            </a:r>
+            <a:r>
+              <a:rPr lang="en-AU" sz="1200" dirty="0"/>
+              <a:t>;</a:t>
+            </a:r>
+          </a:p>
+          <a:p>
+            <a:r>
+              <a:rPr lang="en-AU" sz="1200" dirty="0"/>
+              <a:t>	}</a:t>
+            </a:r>
+          </a:p>
+          <a:p>
+            <a:r>
+              <a:rPr lang="en-AU" sz="1200" dirty="0"/>
+              <a:t>	</a:t>
+            </a:r>
+            <a:r>
+              <a:rPr lang="en-AU" sz="1200" dirty="0" err="1"/>
+              <a:t>voterdata.close</a:t>
+            </a:r>
+            <a:r>
+              <a:rPr lang="en-AU" sz="1200" dirty="0"/>
+              <a:t>();</a:t>
+            </a:r>
+          </a:p>
+          <a:p>
+            <a:r>
+              <a:rPr lang="en-AU" sz="1200" dirty="0"/>
+              <a:t>	return 0;</a:t>
+            </a:r>
+          </a:p>
+          <a:p>
+            <a:r>
+              <a:rPr lang="en-AU" sz="1200" dirty="0"/>
+              <a:t>}</a:t>
+            </a:r>
             <a:endParaRPr lang="en-AU" sz="1400" dirty="0"/>
           </a:p>
-          <a:p>
-            <a:r>
-              <a:rPr lang="en-AU" sz="1400" dirty="0"/>
-              <a:t>int </a:t>
-            </a:r>
-            <a:r>
-              <a:rPr lang="en-AU" sz="1400" dirty="0" err="1"/>
-              <a:t>voterdata_file</a:t>
-            </a:r>
-            <a:r>
-              <a:rPr lang="en-AU" sz="1400" dirty="0"/>
-              <a:t>()</a:t>
-            </a:r>
-          </a:p>
-          <a:p>
-            <a:r>
-              <a:rPr lang="en-AU" sz="1400" dirty="0"/>
-              <a:t>{</a:t>
-            </a:r>
-          </a:p>
-          <a:p>
-            <a:r>
-              <a:rPr lang="en-AU" sz="1400" dirty="0"/>
-              <a:t>	</a:t>
-            </a:r>
-            <a:r>
-              <a:rPr lang="en-AU" sz="1400" dirty="0" err="1"/>
-              <a:t>ofstream</a:t>
-            </a:r>
-            <a:r>
-              <a:rPr lang="en-AU" sz="1400" dirty="0"/>
-              <a:t> </a:t>
-            </a:r>
-            <a:r>
-              <a:rPr lang="en-AU" sz="1400" dirty="0" err="1"/>
-              <a:t>voterdata</a:t>
-            </a:r>
-            <a:r>
-              <a:rPr lang="en-AU" sz="1400" dirty="0"/>
-              <a:t>;</a:t>
-            </a:r>
-          </a:p>
-          <a:p>
-            <a:r>
-              <a:rPr lang="en-AU" sz="1400" dirty="0"/>
-              <a:t>	</a:t>
-            </a:r>
-            <a:r>
-              <a:rPr lang="en-AU" sz="1400" dirty="0" err="1"/>
-              <a:t>voterdata.open</a:t>
-            </a:r>
-            <a:r>
-              <a:rPr lang="en-AU" sz="1400" dirty="0"/>
-              <a:t>("Voter Data Base.txt");</a:t>
-            </a:r>
-          </a:p>
-          <a:p>
-            <a:r>
-              <a:rPr lang="en-AU" sz="1400" dirty="0"/>
-              <a:t>	if (!</a:t>
-            </a:r>
-            <a:r>
-              <a:rPr lang="en-AU" sz="1400" dirty="0" err="1"/>
-              <a:t>voterdata</a:t>
-            </a:r>
-            <a:r>
-              <a:rPr lang="en-AU" sz="1400" dirty="0"/>
-              <a:t>)</a:t>
-            </a:r>
-          </a:p>
-          <a:p>
-            <a:r>
-              <a:rPr lang="en-AU" sz="1400" dirty="0"/>
-              <a:t>	{</a:t>
-            </a:r>
-          </a:p>
-          <a:p>
-            <a:r>
-              <a:rPr lang="en-AU" sz="1400" dirty="0"/>
-              <a:t>		</a:t>
-            </a:r>
-            <a:r>
-              <a:rPr lang="en-AU" sz="1400" dirty="0" err="1"/>
-              <a:t>cout</a:t>
-            </a:r>
-            <a:r>
-              <a:rPr lang="en-AU" sz="1400" dirty="0"/>
-              <a:t> &lt;&lt; "File not created";</a:t>
-            </a:r>
-          </a:p>
-          <a:p>
-            <a:r>
-              <a:rPr lang="en-AU" sz="1400" dirty="0"/>
-              <a:t>	}</a:t>
-            </a:r>
-          </a:p>
-          <a:p>
-            <a:r>
-              <a:rPr lang="en-AU" sz="1400" dirty="0"/>
-              <a:t>	else</a:t>
-            </a:r>
-          </a:p>
-          <a:p>
-            <a:r>
-              <a:rPr lang="en-AU" sz="1400" dirty="0"/>
-              <a:t>	{</a:t>
-            </a:r>
-          </a:p>
-          <a:p>
-            <a:r>
-              <a:rPr lang="en-AU" sz="1400" dirty="0"/>
-              <a:t>		</a:t>
-            </a:r>
-            <a:r>
-              <a:rPr lang="en-AU" sz="1400" dirty="0" err="1"/>
-              <a:t>cout</a:t>
-            </a:r>
-            <a:r>
-              <a:rPr lang="en-AU" sz="1400" dirty="0"/>
-              <a:t> &lt;&lt; "File created successfully!";</a:t>
-            </a:r>
-          </a:p>
-          <a:p>
-            <a:r>
-              <a:rPr lang="en-AU" sz="1400" dirty="0"/>
-              <a:t>		</a:t>
-            </a:r>
-            <a:r>
-              <a:rPr lang="en-AU" sz="1400" dirty="0" err="1"/>
-              <a:t>voterdata</a:t>
-            </a:r>
-            <a:r>
-              <a:rPr lang="en-AU" sz="1400" dirty="0"/>
-              <a:t> &lt;&lt; "Voter Data Base\n";</a:t>
-            </a:r>
-          </a:p>
-          <a:p>
-            <a:r>
-              <a:rPr lang="en-AU" sz="1400" dirty="0"/>
-              <a:t>		</a:t>
-            </a:r>
-            <a:r>
-              <a:rPr lang="en-AU" sz="1400" dirty="0" err="1"/>
-              <a:t>voterdata</a:t>
-            </a:r>
-            <a:r>
-              <a:rPr lang="en-AU" sz="1400" dirty="0"/>
-              <a:t> &lt;&lt; </a:t>
-            </a:r>
-            <a:r>
-              <a:rPr lang="en-AU" sz="1400" dirty="0" err="1"/>
-              <a:t>setw</a:t>
-            </a:r>
-            <a:r>
-              <a:rPr lang="en-AU" sz="1400" dirty="0"/>
-              <a:t>(15) &lt;&lt; "Voter ID" &lt;&lt; </a:t>
-            </a:r>
-            <a:r>
-              <a:rPr lang="en-AU" sz="1400" dirty="0" err="1"/>
-              <a:t>setw</a:t>
-            </a:r>
-            <a:r>
-              <a:rPr lang="en-AU" sz="1400" dirty="0"/>
-              <a:t>(15) &lt;&lt; "Name" &lt;&lt; </a:t>
-            </a:r>
-            <a:r>
-              <a:rPr lang="en-AU" sz="1400" dirty="0" err="1"/>
-              <a:t>setw</a:t>
-            </a:r>
-            <a:r>
-              <a:rPr lang="en-AU" sz="1400" dirty="0"/>
-              <a:t>(15) &lt;&lt; "Age" &lt;&lt; </a:t>
-            </a:r>
-            <a:r>
-              <a:rPr lang="en-AU" sz="1400" dirty="0" err="1"/>
-              <a:t>setw</a:t>
-            </a:r>
-            <a:r>
-              <a:rPr lang="en-AU" sz="1400" dirty="0"/>
-              <a:t>(15) &lt;&lt; "Suburb" &lt;&lt; </a:t>
-            </a:r>
-            <a:r>
-              <a:rPr lang="en-AU" sz="1400" dirty="0" err="1"/>
-              <a:t>setw</a:t>
-            </a:r>
-            <a:r>
-              <a:rPr lang="en-AU" sz="1400" dirty="0"/>
-              <a:t>(15) &lt;&lt; "Status" &lt;&lt; </a:t>
-            </a:r>
-            <a:r>
-              <a:rPr lang="en-AU" sz="1400" dirty="0" err="1"/>
-              <a:t>endl</a:t>
-            </a:r>
-            <a:r>
-              <a:rPr lang="en-AU" sz="1400" dirty="0"/>
-              <a:t>;</a:t>
-            </a:r>
-          </a:p>
-          <a:p>
-            <a:r>
-              <a:rPr lang="en-AU" sz="1400" dirty="0"/>
-              <a:t>		</a:t>
-            </a:r>
-            <a:r>
-              <a:rPr lang="en-AU" sz="1400" dirty="0" err="1"/>
-              <a:t>voterdata</a:t>
-            </a:r>
-            <a:r>
-              <a:rPr lang="en-AU" sz="1400" dirty="0"/>
-              <a:t> &lt;&lt; </a:t>
-            </a:r>
-            <a:r>
-              <a:rPr lang="en-AU" sz="1400" dirty="0" err="1"/>
-              <a:t>setw</a:t>
-            </a:r>
-            <a:r>
-              <a:rPr lang="en-AU" sz="1400" dirty="0"/>
-              <a:t>(15) &lt;&lt; 12345678 &lt;&lt; </a:t>
-            </a:r>
-            <a:r>
-              <a:rPr lang="en-AU" sz="1400" dirty="0" err="1"/>
-              <a:t>setw</a:t>
-            </a:r>
-            <a:r>
-              <a:rPr lang="en-AU" sz="1400" dirty="0"/>
-              <a:t>(15) &lt;&lt; "Tommy </a:t>
-            </a:r>
-            <a:r>
-              <a:rPr lang="en-AU" sz="1400" dirty="0" err="1"/>
-              <a:t>Sauche</a:t>
-            </a:r>
-            <a:r>
-              <a:rPr lang="en-AU" sz="1400" dirty="0"/>
-              <a:t>" &lt;&lt; </a:t>
-            </a:r>
-            <a:r>
-              <a:rPr lang="en-AU" sz="1400" dirty="0" err="1"/>
-              <a:t>setw</a:t>
-            </a:r>
-            <a:r>
-              <a:rPr lang="en-AU" sz="1400" dirty="0"/>
-              <a:t>(15) &lt;&lt; "23" &lt;&lt; </a:t>
-            </a:r>
-            <a:r>
-              <a:rPr lang="en-AU" sz="1400" dirty="0" err="1"/>
-              <a:t>setw</a:t>
-            </a:r>
-            <a:r>
-              <a:rPr lang="en-AU" sz="1400" dirty="0"/>
-              <a:t>(15) &lt;&lt; "Carlton" &lt;&lt; </a:t>
-            </a:r>
-            <a:r>
-              <a:rPr lang="en-AU" sz="1400" dirty="0" err="1"/>
-              <a:t>setw</a:t>
-            </a:r>
-            <a:r>
-              <a:rPr lang="en-AU" sz="1400" dirty="0"/>
-              <a:t>(15) &lt;&lt; "Student" &lt;&lt; </a:t>
-            </a:r>
-            <a:r>
-              <a:rPr lang="en-AU" sz="1400" dirty="0" err="1"/>
-              <a:t>endl</a:t>
-            </a:r>
-            <a:r>
-              <a:rPr lang="en-AU" sz="1400" dirty="0"/>
-              <a:t>;</a:t>
-            </a:r>
-          </a:p>
-          <a:p>
-            <a:r>
-              <a:rPr lang="en-AU" sz="1400" dirty="0"/>
-              <a:t>	}</a:t>
-            </a:r>
-          </a:p>
-          <a:p>
-            <a:r>
-              <a:rPr lang="en-AU" sz="1400" dirty="0"/>
-              <a:t>	</a:t>
-            </a:r>
-            <a:r>
-              <a:rPr lang="en-AU" sz="1400" dirty="0" err="1"/>
-              <a:t>voterdata.close</a:t>
-            </a:r>
-            <a:r>
-              <a:rPr lang="en-AU" sz="1400" dirty="0"/>
-              <a:t>();</a:t>
-            </a:r>
-          </a:p>
-          <a:p>
-            <a:r>
-              <a:rPr lang="en-AU" sz="1400" dirty="0"/>
-              <a:t>	return 0;</a:t>
-            </a:r>
-          </a:p>
-          <a:p>
-            <a:r>
-              <a:rPr lang="en-AU" sz="1400" dirty="0"/>
-              <a:t>}</a:t>
-            </a:r>
+        </p:txBody>
+      </p:sp>
+      <p:sp>
+        <p:nvSpPr>
+          <p:cNvPr id="4" name="TextBox 3">
+            <a:extLst>
+              <a:ext uri="{FF2B5EF4-FFF2-40B4-BE49-F238E27FC236}">
+                <a16:creationId xmlns:a16="http://schemas.microsoft.com/office/drawing/2014/main" id="{D62BAD1A-876B-4331-9157-2BF0139FACE6}"/>
+              </a:ext>
+            </a:extLst>
+          </p:cNvPr>
+          <p:cNvSpPr txBox="1"/>
+          <p:nvPr/>
+        </p:nvSpPr>
+        <p:spPr>
+          <a:xfrm>
+            <a:off x="7248088" y="1262565"/>
+            <a:ext cx="3296874" cy="5078313"/>
+          </a:xfrm>
+          <a:prstGeom prst="rect">
+            <a:avLst/>
+          </a:prstGeom>
+          <a:noFill/>
+        </p:spPr>
+        <p:txBody>
+          <a:bodyPr wrap="square" rtlCol="0">
+            <a:spAutoFit/>
+          </a:bodyPr>
+          <a:lstStyle/>
+          <a:p>
+            <a:r>
+              <a:rPr lang="en-US" dirty="0"/>
+              <a:t>This example of code is the solution we decided upon for our database. As you can see in the code, we are using a text file to write voter information into. This can be later opened and called on in the menu should someone wish to count votes for a candidate </a:t>
+            </a:r>
+            <a:r>
+              <a:rPr lang="en-US" dirty="0" err="1"/>
+              <a:t>etc</a:t>
+            </a:r>
+            <a:endParaRPr lang="en-US" dirty="0"/>
+          </a:p>
+          <a:p>
+            <a:endParaRPr lang="en-US" dirty="0"/>
+          </a:p>
+          <a:p>
+            <a:r>
+              <a:rPr lang="en-AU" dirty="0"/>
+              <a:t>The original design for our database was far too complicated for us to integrate as not everyone was familiar with using SQLite and therefore would have been counter productive to create a solution that the team were not sure of</a:t>
+            </a:r>
+            <a:endParaRPr lang="en-US" dirty="0"/>
           </a:p>
         </p:txBody>
       </p:sp>
@@ -10938,10 +11193,10 @@
       </p:grpSpPr>
       <p:sp>
         <p:nvSpPr>
-          <p:cNvPr id="4" name="Title 3">
-            <a:extLst>
-              <a:ext uri="{FF2B5EF4-FFF2-40B4-BE49-F238E27FC236}">
-                <a16:creationId xmlns:a16="http://schemas.microsoft.com/office/drawing/2014/main" id="{1E181A25-E77D-4D6A-8C6F-4B897A3EF957}"/>
+          <p:cNvPr id="2" name="Title 1">
+            <a:extLst>
+              <a:ext uri="{FF2B5EF4-FFF2-40B4-BE49-F238E27FC236}">
+                <a16:creationId xmlns:a16="http://schemas.microsoft.com/office/drawing/2014/main" id="{F38F05DA-9467-4730-BCDA-16ECFDC7EE54}"/>
               </a:ext>
             </a:extLst>
           </p:cNvPr>
@@ -10949,19 +11204,236 @@
             <a:spLocks noGrp="1"/>
           </p:cNvSpPr>
           <p:nvPr>
-            <p:ph type="ctrTitle"/>
+            <p:ph type="title"/>
           </p:nvPr>
         </p:nvSpPr>
         <p:spPr/>
         <p:txBody>
+          <a:bodyPr/>
+          <a:lstStyle/>
+          <a:p>
+            <a:r>
+              <a:rPr lang="en-US" sz="3600" dirty="0">
+                <a:latin typeface="Times New Roman" panose="02020603050405020304" pitchFamily="18" charset="0"/>
+                <a:cs typeface="Times New Roman" panose="02020603050405020304" pitchFamily="18" charset="0"/>
+              </a:rPr>
+              <a:t>Code Demonstration</a:t>
+            </a:r>
+            <a:endParaRPr lang="en-AU" dirty="0"/>
+          </a:p>
+        </p:txBody>
+      </p:sp>
+      <p:sp>
+        <p:nvSpPr>
+          <p:cNvPr id="3" name="Text Placeholder 2">
+            <a:extLst>
+              <a:ext uri="{FF2B5EF4-FFF2-40B4-BE49-F238E27FC236}">
+                <a16:creationId xmlns:a16="http://schemas.microsoft.com/office/drawing/2014/main" id="{9D82C111-B418-44AE-933C-CC1CE388EBE5}"/>
+              </a:ext>
+            </a:extLst>
+          </p:cNvPr>
+          <p:cNvSpPr>
+            <a:spLocks noGrp="1"/>
+          </p:cNvSpPr>
+          <p:nvPr>
+            <p:ph type="body" sz="quarter" idx="11"/>
+          </p:nvPr>
+        </p:nvSpPr>
+        <p:spPr>
+          <a:xfrm>
+            <a:off x="473927" y="1077390"/>
+            <a:ext cx="3921091" cy="5542485"/>
+          </a:xfrm>
+        </p:spPr>
+        <p:txBody>
           <a:bodyPr>
-            <a:normAutofit fontScale="90000"/>
+            <a:normAutofit fontScale="47500" lnSpcReduction="20000"/>
           </a:bodyPr>
           <a:lstStyle/>
           <a:p>
             <a:r>
+              <a:rPr lang="en-US" dirty="0"/>
+              <a:t>int main()</a:t>
+            </a:r>
+          </a:p>
+          <a:p>
+            <a:r>
+              <a:rPr lang="en-US" dirty="0"/>
+              <a:t>{</a:t>
+            </a:r>
+          </a:p>
+          <a:p>
+            <a:r>
+              <a:rPr lang="en-US" dirty="0"/>
+              <a:t>// Taking in selection as a string, as the options are in alphabet letters</a:t>
+            </a:r>
+          </a:p>
+          <a:p>
+            <a:r>
+              <a:rPr lang="en-US" dirty="0"/>
+              <a:t>// Main menu</a:t>
+            </a:r>
+          </a:p>
+          <a:p>
+            <a:r>
+              <a:rPr lang="en-US" dirty="0"/>
+              <a:t>	string menu;</a:t>
+            </a:r>
+          </a:p>
+          <a:p>
+            <a:r>
+              <a:rPr lang="en-US" dirty="0"/>
+              <a:t>	</a:t>
+            </a:r>
+            <a:r>
+              <a:rPr lang="en-US" dirty="0" err="1"/>
+              <a:t>cout</a:t>
+            </a:r>
+            <a:r>
+              <a:rPr lang="en-US" dirty="0"/>
+              <a:t> &lt;&lt; "Please enter your choice: \n";</a:t>
+            </a:r>
+          </a:p>
+          <a:p>
+            <a:r>
+              <a:rPr lang="en-US" dirty="0"/>
+              <a:t>	</a:t>
+            </a:r>
+            <a:r>
+              <a:rPr lang="en-US" dirty="0" err="1"/>
+              <a:t>cout</a:t>
+            </a:r>
+            <a:r>
+              <a:rPr lang="en-US" dirty="0"/>
+              <a:t> &lt;&lt; "Enter P - Print numbers for a particular candidate\n";</a:t>
+            </a:r>
+          </a:p>
+          <a:p>
+            <a:r>
+              <a:rPr lang="en-US" dirty="0"/>
+              <a:t>	</a:t>
+            </a:r>
+            <a:r>
+              <a:rPr lang="en-US" dirty="0" err="1"/>
+              <a:t>cout</a:t>
+            </a:r>
+            <a:r>
+              <a:rPr lang="en-US" dirty="0"/>
+              <a:t> &lt;&lt; "Enter A - Add number of votes to a candidate\n";</a:t>
+            </a:r>
+          </a:p>
+          <a:p>
+            <a:r>
+              <a:rPr lang="en-US" dirty="0"/>
+              <a:t>	</a:t>
+            </a:r>
+            <a:r>
+              <a:rPr lang="en-US" dirty="0" err="1"/>
+              <a:t>cout</a:t>
+            </a:r>
+            <a:r>
+              <a:rPr lang="en-US" dirty="0"/>
+              <a:t> &lt;&lt; "Enter S - Display the candidate with the smallest number of votes\n";</a:t>
+            </a:r>
+          </a:p>
+          <a:p>
+            <a:r>
+              <a:rPr lang="en-US" dirty="0"/>
+              <a:t>	</a:t>
+            </a:r>
+            <a:r>
+              <a:rPr lang="en-US" dirty="0" err="1"/>
+              <a:t>cout</a:t>
+            </a:r>
+            <a:r>
+              <a:rPr lang="en-US" dirty="0"/>
+              <a:t> &lt;&lt; "Enter L - Display the candidate with the largest number of votes\n";</a:t>
+            </a:r>
+          </a:p>
+          <a:p>
+            <a:r>
+              <a:rPr lang="en-US" dirty="0"/>
+              <a:t>	</a:t>
+            </a:r>
+            <a:r>
+              <a:rPr lang="en-US" dirty="0" err="1"/>
+              <a:t>cout</a:t>
+            </a:r>
+            <a:r>
+              <a:rPr lang="en-US" dirty="0"/>
+              <a:t> &lt;&lt; "Enter Q - Quit\n";</a:t>
+            </a:r>
+          </a:p>
+          <a:p>
+            <a:r>
+              <a:rPr lang="en-US" dirty="0"/>
+              <a:t>	</a:t>
+            </a:r>
+            <a:r>
+              <a:rPr lang="en-US" dirty="0" err="1"/>
+              <a:t>cin</a:t>
+            </a:r>
+            <a:r>
+              <a:rPr lang="en-US" dirty="0"/>
+              <a:t> &gt;&gt; menu;</a:t>
+            </a:r>
+            <a:endParaRPr lang="en-AU" dirty="0"/>
+          </a:p>
+        </p:txBody>
+      </p:sp>
+      <p:sp>
+        <p:nvSpPr>
+          <p:cNvPr id="5" name="TextBox 4">
+            <a:extLst>
+              <a:ext uri="{FF2B5EF4-FFF2-40B4-BE49-F238E27FC236}">
+                <a16:creationId xmlns:a16="http://schemas.microsoft.com/office/drawing/2014/main" id="{733AACDD-A978-43AB-9711-BD6B24FB8A82}"/>
+              </a:ext>
+            </a:extLst>
+          </p:cNvPr>
+          <p:cNvSpPr txBox="1"/>
+          <p:nvPr/>
+        </p:nvSpPr>
+        <p:spPr>
+          <a:xfrm>
+            <a:off x="5369857" y="1309475"/>
+            <a:ext cx="6086168" cy="5078313"/>
+          </a:xfrm>
+          <a:prstGeom prst="rect">
+            <a:avLst/>
+          </a:prstGeom>
+          <a:noFill/>
+        </p:spPr>
+        <p:txBody>
+          <a:bodyPr wrap="square" rtlCol="0">
+            <a:spAutoFit/>
+          </a:bodyPr>
+          <a:lstStyle/>
+          <a:p>
+            <a:r>
+              <a:rPr lang="en-US" dirty="0"/>
+              <a:t>This chunk of code is for our main menu, specifically its more what the user is going to interact with, so essentially its our user interface. It isn’t anything flashy or complicated, but this was done by design to cater towards the older demographic that will need to user the system as well. Essentially when someone uses our solution they will be presented with these options and the program will run according to the selection that they make. </a:t>
+            </a:r>
+          </a:p>
+          <a:p>
+            <a:endParaRPr lang="en-US" dirty="0"/>
+          </a:p>
+          <a:p>
+            <a:r>
               <a:rPr lang="en-AU" dirty="0"/>
-              <a:t>Thank you for listening!</a:t>
+              <a:t>There will be a number of check and balances in place to make sure that people are unable to break the program by entering an incorrect input etc or a wrong calculation is made by the program. </a:t>
+            </a:r>
+          </a:p>
+          <a:p>
+            <a:endParaRPr lang="en-AU" dirty="0"/>
+          </a:p>
+          <a:p>
+            <a:r>
+              <a:rPr lang="en-AU" dirty="0" err="1"/>
+              <a:t>Eg</a:t>
+            </a:r>
+            <a:r>
+              <a:rPr lang="en-AU" dirty="0"/>
+              <a:t> is a client pressed S or s then the program will open the candidate text file and search through the file for the candidate with the lowest votes and then output that information to the screen. This will be done using c++ code.</a:t>
             </a:r>
           </a:p>
         </p:txBody>
@@ -10969,7 +11441,7 @@
     </p:spTree>
     <p:extLst>
       <p:ext uri="{BB962C8B-B14F-4D97-AF65-F5344CB8AC3E}">
-        <p14:creationId xmlns:p14="http://schemas.microsoft.com/office/powerpoint/2010/main" val="3226440366"/>
+        <p14:creationId xmlns:p14="http://schemas.microsoft.com/office/powerpoint/2010/main" val="3726672772"/>
       </p:ext>
     </p:extLst>
   </p:cSld>
